--- a/Presentations/LiveImage_Presentation.pptx
+++ b/Presentations/LiveImage_Presentation.pptx
@@ -5,7 +5,7 @@
     <p:sldMasterId id="2147483648" r:id="rId1"/>
   </p:sldMasterIdLst>
   <p:notesMasterIdLst>
-    <p:notesMasterId r:id="rId28"/>
+    <p:notesMasterId r:id="rId32"/>
   </p:notesMasterIdLst>
   <p:sldIdLst>
     <p:sldId id="256" r:id="rId2"/>
@@ -16,24 +16,28 @@
     <p:sldId id="261" r:id="rId7"/>
     <p:sldId id="262" r:id="rId8"/>
     <p:sldId id="263" r:id="rId9"/>
-    <p:sldId id="264" r:id="rId10"/>
-    <p:sldId id="266" r:id="rId11"/>
-    <p:sldId id="265" r:id="rId12"/>
-    <p:sldId id="267" r:id="rId13"/>
-    <p:sldId id="268" r:id="rId14"/>
-    <p:sldId id="269" r:id="rId15"/>
-    <p:sldId id="270" r:id="rId16"/>
-    <p:sldId id="271" r:id="rId17"/>
-    <p:sldId id="272" r:id="rId18"/>
-    <p:sldId id="275" r:id="rId19"/>
-    <p:sldId id="273" r:id="rId20"/>
-    <p:sldId id="274" r:id="rId21"/>
-    <p:sldId id="276" r:id="rId22"/>
-    <p:sldId id="277" r:id="rId23"/>
-    <p:sldId id="278" r:id="rId24"/>
-    <p:sldId id="279" r:id="rId25"/>
-    <p:sldId id="280" r:id="rId26"/>
-    <p:sldId id="281" r:id="rId27"/>
+    <p:sldId id="285" r:id="rId10"/>
+    <p:sldId id="264" r:id="rId11"/>
+    <p:sldId id="286" r:id="rId12"/>
+    <p:sldId id="266" r:id="rId13"/>
+    <p:sldId id="267" r:id="rId14"/>
+    <p:sldId id="268" r:id="rId15"/>
+    <p:sldId id="269" r:id="rId16"/>
+    <p:sldId id="270" r:id="rId17"/>
+    <p:sldId id="271" r:id="rId18"/>
+    <p:sldId id="272" r:id="rId19"/>
+    <p:sldId id="275" r:id="rId20"/>
+    <p:sldId id="273" r:id="rId21"/>
+    <p:sldId id="274" r:id="rId22"/>
+    <p:sldId id="276" r:id="rId23"/>
+    <p:sldId id="277" r:id="rId24"/>
+    <p:sldId id="278" r:id="rId25"/>
+    <p:sldId id="279" r:id="rId26"/>
+    <p:sldId id="280" r:id="rId27"/>
+    <p:sldId id="282" r:id="rId28"/>
+    <p:sldId id="283" r:id="rId29"/>
+    <p:sldId id="281" r:id="rId30"/>
+    <p:sldId id="284" r:id="rId31"/>
   </p:sldIdLst>
   <p:sldSz cx="12192000" cy="6858000"/>
   <p:notesSz cx="6858000" cy="9144000"/>
@@ -132,6 +136,14 @@
       </a:defRPr>
     </a:lvl9pPr>
   </p:defaultTextStyle>
+  <p:extLst>
+    <p:ext uri="{EFAFB233-063F-42B5-8137-9DF3F51BA10A}">
+      <p15:sldGuideLst xmlns:p15="http://schemas.microsoft.com/office/powerpoint/2012/main"/>
+    </p:ext>
+    <p:ext uri="{2D200454-40CA-4A62-9FC3-DE9A4176ACB9}">
+      <p15:notesGuideLst xmlns:p15="http://schemas.microsoft.com/office/powerpoint/2012/main"/>
+    </p:ext>
+  </p:extLst>
 </p:presentation>
 </file>
 
@@ -217,7 +229,7 @@
           <a:p>
             <a:fld id="{496FB8FB-AFC0-D049-997D-C441CDA4E92C}" type="datetimeFigureOut">
               <a:rPr lang="en-US" smtClean="0"/>
-              <a:t>11/23/16</a:t>
+              <a:t>11/28/16</a:t>
             </a:fld>
             <a:endParaRPr lang="en-US"/>
           </a:p>
@@ -550,7 +562,7 @@
           <a:p>
             <a:fld id="{9CAA3953-DEDE-3844-A0D9-12A6EC1D42E6}" type="slidenum">
               <a:rPr lang="en-US" smtClean="0"/>
-              <a:t>24</a:t>
+              <a:t>25</a:t>
             </a:fld>
             <a:endParaRPr lang="en-US"/>
           </a:p>
@@ -700,7 +712,7 @@
           <a:p>
             <a:fld id="{C26E3808-BD0A-F646-BDC4-41F1FA14A5FF}" type="datetimeFigureOut">
               <a:rPr lang="en-US" smtClean="0"/>
-              <a:t>11/23/16</a:t>
+              <a:t>11/28/16</a:t>
             </a:fld>
             <a:endParaRPr lang="en-US"/>
           </a:p>
@@ -870,7 +882,7 @@
           <a:p>
             <a:fld id="{C26E3808-BD0A-F646-BDC4-41F1FA14A5FF}" type="datetimeFigureOut">
               <a:rPr lang="en-US" smtClean="0"/>
-              <a:t>11/23/16</a:t>
+              <a:t>11/28/16</a:t>
             </a:fld>
             <a:endParaRPr lang="en-US"/>
           </a:p>
@@ -1050,7 +1062,7 @@
           <a:p>
             <a:fld id="{C26E3808-BD0A-F646-BDC4-41F1FA14A5FF}" type="datetimeFigureOut">
               <a:rPr lang="en-US" smtClean="0"/>
-              <a:t>11/23/16</a:t>
+              <a:t>11/28/16</a:t>
             </a:fld>
             <a:endParaRPr lang="en-US"/>
           </a:p>
@@ -1220,7 +1232,7 @@
           <a:p>
             <a:fld id="{C26E3808-BD0A-F646-BDC4-41F1FA14A5FF}" type="datetimeFigureOut">
               <a:rPr lang="en-US" smtClean="0"/>
-              <a:t>11/23/16</a:t>
+              <a:t>11/28/16</a:t>
             </a:fld>
             <a:endParaRPr lang="en-US"/>
           </a:p>
@@ -1466,7 +1478,7 @@
           <a:p>
             <a:fld id="{C26E3808-BD0A-F646-BDC4-41F1FA14A5FF}" type="datetimeFigureOut">
               <a:rPr lang="en-US" smtClean="0"/>
-              <a:t>11/23/16</a:t>
+              <a:t>11/28/16</a:t>
             </a:fld>
             <a:endParaRPr lang="en-US"/>
           </a:p>
@@ -1698,7 +1710,7 @@
           <a:p>
             <a:fld id="{C26E3808-BD0A-F646-BDC4-41F1FA14A5FF}" type="datetimeFigureOut">
               <a:rPr lang="en-US" smtClean="0"/>
-              <a:t>11/23/16</a:t>
+              <a:t>11/28/16</a:t>
             </a:fld>
             <a:endParaRPr lang="en-US"/>
           </a:p>
@@ -2065,7 +2077,7 @@
           <a:p>
             <a:fld id="{C26E3808-BD0A-F646-BDC4-41F1FA14A5FF}" type="datetimeFigureOut">
               <a:rPr lang="en-US" smtClean="0"/>
-              <a:t>11/23/16</a:t>
+              <a:t>11/28/16</a:t>
             </a:fld>
             <a:endParaRPr lang="en-US"/>
           </a:p>
@@ -2183,7 +2195,7 @@
           <a:p>
             <a:fld id="{C26E3808-BD0A-F646-BDC4-41F1FA14A5FF}" type="datetimeFigureOut">
               <a:rPr lang="en-US" smtClean="0"/>
-              <a:t>11/23/16</a:t>
+              <a:t>11/28/16</a:t>
             </a:fld>
             <a:endParaRPr lang="en-US"/>
           </a:p>
@@ -2278,7 +2290,7 @@
           <a:p>
             <a:fld id="{C26E3808-BD0A-F646-BDC4-41F1FA14A5FF}" type="datetimeFigureOut">
               <a:rPr lang="en-US" smtClean="0"/>
-              <a:t>11/23/16</a:t>
+              <a:t>11/28/16</a:t>
             </a:fld>
             <a:endParaRPr lang="en-US"/>
           </a:p>
@@ -2555,7 +2567,7 @@
           <a:p>
             <a:fld id="{C26E3808-BD0A-F646-BDC4-41F1FA14A5FF}" type="datetimeFigureOut">
               <a:rPr lang="en-US" smtClean="0"/>
-              <a:t>11/23/16</a:t>
+              <a:t>11/28/16</a:t>
             </a:fld>
             <a:endParaRPr lang="en-US"/>
           </a:p>
@@ -2808,7 +2820,7 @@
           <a:p>
             <a:fld id="{C26E3808-BD0A-F646-BDC4-41F1FA14A5FF}" type="datetimeFigureOut">
               <a:rPr lang="en-US" smtClean="0"/>
-              <a:t>11/23/16</a:t>
+              <a:t>11/28/16</a:t>
             </a:fld>
             <a:endParaRPr lang="en-US"/>
           </a:p>
@@ -3021,7 +3033,7 @@
           <a:p>
             <a:fld id="{C26E3808-BD0A-F646-BDC4-41F1FA14A5FF}" type="datetimeFigureOut">
               <a:rPr lang="en-US" smtClean="0"/>
-              <a:t>11/23/16</a:t>
+              <a:t>11/28/16</a:t>
             </a:fld>
             <a:endParaRPr lang="en-US"/>
           </a:p>
@@ -3482,6 +3494,13 @@
   <p:clrMapOvr>
     <a:masterClrMapping/>
   </p:clrMapOvr>
+  <p:timing>
+    <p:tnLst>
+      <p:par>
+        <p:cTn id="1" dur="indefinite" restart="never" nodeType="tmRoot"/>
+      </p:par>
+    </p:tnLst>
+  </p:timing>
 </p:sld>
 </file>
 
@@ -3524,8 +3543,8 @@
         </p:blipFill>
         <p:spPr>
           <a:xfrm>
-            <a:off x="1119188" y="668337"/>
-            <a:ext cx="7683500" cy="2451100"/>
+            <a:off x="684212" y="728662"/>
+            <a:ext cx="5730280" cy="4105275"/>
           </a:xfrm>
           <a:prstGeom prst="rect">
             <a:avLst/>
@@ -3554,8 +3573,8 @@
         </p:blipFill>
         <p:spPr>
           <a:xfrm>
-            <a:off x="5318125" y="3625850"/>
-            <a:ext cx="5143500" cy="2451100"/>
+            <a:off x="7529513" y="1252537"/>
+            <a:ext cx="3949700" cy="3581400"/>
           </a:xfrm>
           <a:prstGeom prst="rect">
             <a:avLst/>
@@ -3565,13 +3584,20 @@
     </p:spTree>
     <p:extLst>
       <p:ext uri="{BB962C8B-B14F-4D97-AF65-F5344CB8AC3E}">
-        <p14:creationId xmlns:p14="http://schemas.microsoft.com/office/powerpoint/2010/main" val="1959593136"/>
+        <p14:creationId xmlns:p14="http://schemas.microsoft.com/office/powerpoint/2010/main" val="321753518"/>
       </p:ext>
     </p:extLst>
   </p:cSld>
   <p:clrMapOvr>
     <a:masterClrMapping/>
   </p:clrMapOvr>
+  <p:timing>
+    <p:tnLst>
+      <p:par>
+        <p:cTn id="1" dur="indefinite" restart="never" nodeType="tmRoot"/>
+      </p:par>
+    </p:tnLst>
+  </p:timing>
 </p:sld>
 </file>
 
@@ -3767,7 +3793,7 @@
           </p:cNvPicPr>
           <p:nvPr/>
         </p:nvPicPr>
-        <p:blipFill>
+        <p:blipFill rotWithShape="1">
           <a:blip r:embed="rId4">
             <a:extLst>
               <a:ext uri="{28A0092B-C50C-407E-A947-70E740481C1C}">
@@ -3775,14 +3801,13 @@
               </a:ext>
             </a:extLst>
           </a:blip>
-          <a:stretch>
-            <a:fillRect/>
-          </a:stretch>
+          <a:srcRect t="6091"/>
+          <a:stretch/>
         </p:blipFill>
         <p:spPr>
           <a:xfrm>
-            <a:off x="4642843" y="1574204"/>
-            <a:ext cx="6616700" cy="622300"/>
+            <a:off x="4642843" y="1612108"/>
+            <a:ext cx="6616700" cy="584396"/>
           </a:xfrm>
           <a:prstGeom prst="rect">
             <a:avLst/>
@@ -3792,13 +3817,20 @@
     </p:spTree>
     <p:extLst>
       <p:ext uri="{BB962C8B-B14F-4D97-AF65-F5344CB8AC3E}">
-        <p14:creationId xmlns:p14="http://schemas.microsoft.com/office/powerpoint/2010/main" val="347553880"/>
+        <p14:creationId xmlns:p14="http://schemas.microsoft.com/office/powerpoint/2010/main" val="773680115"/>
       </p:ext>
     </p:extLst>
   </p:cSld>
   <p:clrMapOvr>
     <a:masterClrMapping/>
   </p:clrMapOvr>
+  <p:timing>
+    <p:tnLst>
+      <p:par>
+        <p:cTn id="1" dur="indefinite" restart="never" nodeType="tmRoot"/>
+      </p:par>
+    </p:tnLst>
+  </p:timing>
 </p:sld>
 </file>
 
@@ -3841,252 +3873,8 @@
         </p:blipFill>
         <p:spPr>
           <a:xfrm>
-            <a:off x="114300" y="1695083"/>
-            <a:ext cx="10258425" cy="1067697"/>
-          </a:xfrm>
-          <a:prstGeom prst="rect">
-            <a:avLst/>
-          </a:prstGeom>
-        </p:spPr>
-      </p:pic>
-      <p:cxnSp>
-        <p:nvCxnSpPr>
-          <p:cNvPr id="6" name="Straight Connector 5"/>
-          <p:cNvCxnSpPr/>
-          <p:nvPr/>
-        </p:nvCxnSpPr>
-        <p:spPr>
-          <a:xfrm flipV="1">
-            <a:off x="6900863" y="2243138"/>
-            <a:ext cx="2600325" cy="14287"/>
-          </a:xfrm>
-          <a:prstGeom prst="line">
-            <a:avLst/>
-          </a:prstGeom>
-          <a:ln w="44450">
-            <a:solidFill>
-              <a:srgbClr val="FF0000"/>
-            </a:solidFill>
-          </a:ln>
-        </p:spPr>
-        <p:style>
-          <a:lnRef idx="1">
-            <a:schemeClr val="accent1"/>
-          </a:lnRef>
-          <a:fillRef idx="0">
-            <a:schemeClr val="accent1"/>
-          </a:fillRef>
-          <a:effectRef idx="0">
-            <a:schemeClr val="accent1"/>
-          </a:effectRef>
-          <a:fontRef idx="minor">
-            <a:schemeClr val="tx1"/>
-          </a:fontRef>
-        </p:style>
-      </p:cxnSp>
-      <p:pic>
-        <p:nvPicPr>
-          <p:cNvPr id="7" name="Picture 6"/>
-          <p:cNvPicPr>
-            <a:picLocks noChangeAspect="1"/>
-          </p:cNvPicPr>
-          <p:nvPr/>
-        </p:nvPicPr>
-        <p:blipFill rotWithShape="1">
-          <a:blip r:embed="rId3">
-            <a:extLst>
-              <a:ext uri="{28A0092B-C50C-407E-A947-70E740481C1C}">
-                <a14:useLocalDpi xmlns:a14="http://schemas.microsoft.com/office/drawing/2010/main" val="0"/>
-              </a:ext>
-            </a:extLst>
-          </a:blip>
-          <a:srcRect t="5856"/>
-          <a:stretch/>
-        </p:blipFill>
-        <p:spPr>
-          <a:xfrm>
-            <a:off x="1889125" y="3614738"/>
-            <a:ext cx="8483600" cy="1327150"/>
-          </a:xfrm>
-          <a:prstGeom prst="rect">
-            <a:avLst/>
-          </a:prstGeom>
-        </p:spPr>
-      </p:pic>
-    </p:spTree>
-    <p:extLst>
-      <p:ext uri="{BB962C8B-B14F-4D97-AF65-F5344CB8AC3E}">
-        <p14:creationId xmlns:p14="http://schemas.microsoft.com/office/powerpoint/2010/main" val="1064412676"/>
-      </p:ext>
-    </p:extLst>
-  </p:cSld>
-  <p:clrMapOvr>
-    <a:masterClrMapping/>
-  </p:clrMapOvr>
-</p:sld>
-</file>
-
-<file path=ppt/slides/slide13.xml><?xml version="1.0" encoding="utf-8"?>
-<p:sld xmlns:a="http://schemas.openxmlformats.org/drawingml/2006/main" xmlns:r="http://schemas.openxmlformats.org/officeDocument/2006/relationships" xmlns:p="http://schemas.openxmlformats.org/presentationml/2006/main">
-  <p:cSld>
-    <p:spTree>
-      <p:nvGrpSpPr>
-        <p:cNvPr id="1" name=""/>
-        <p:cNvGrpSpPr/>
-        <p:nvPr/>
-      </p:nvGrpSpPr>
-      <p:grpSpPr>
-        <a:xfrm>
-          <a:off x="0" y="0"/>
-          <a:ext cx="0" cy="0"/>
-          <a:chOff x="0" y="0"/>
-          <a:chExt cx="0" cy="0"/>
-        </a:xfrm>
-      </p:grpSpPr>
-      <p:sp>
-        <p:nvSpPr>
-          <p:cNvPr id="2" name="Title 1"/>
-          <p:cNvSpPr>
-            <a:spLocks noGrp="1"/>
-          </p:cNvSpPr>
-          <p:nvPr>
-            <p:ph type="title"/>
-          </p:nvPr>
-        </p:nvSpPr>
-        <p:spPr/>
-        <p:txBody>
-          <a:bodyPr/>
-          <a:lstStyle/>
-          <a:p>
-            <a:r>
-              <a:rPr lang="en-US" dirty="0" smtClean="0"/>
-              <a:t>Previous GATA1/PU.1 Inferences</a:t>
-            </a:r>
-            <a:endParaRPr lang="en-US" dirty="0"/>
-          </a:p>
-        </p:txBody>
-      </p:sp>
-      <p:sp>
-        <p:nvSpPr>
-          <p:cNvPr id="3" name="Content Placeholder 2"/>
-          <p:cNvSpPr>
-            <a:spLocks noGrp="1"/>
-          </p:cNvSpPr>
-          <p:nvPr>
-            <p:ph idx="1"/>
-          </p:nvPr>
-        </p:nvSpPr>
-        <p:spPr/>
-        <p:txBody>
-          <a:bodyPr/>
-          <a:lstStyle/>
-          <a:p>
-            <a:r>
-              <a:rPr lang="en-US" dirty="0" smtClean="0"/>
-              <a:t>Bulk Cell populations</a:t>
-            </a:r>
-          </a:p>
-          <a:p>
-            <a:pPr lvl="1"/>
-            <a:r>
-              <a:rPr lang="en-US" dirty="0" smtClean="0"/>
-              <a:t>Averages</a:t>
-            </a:r>
-          </a:p>
-          <a:p>
-            <a:r>
-              <a:rPr lang="en-US" dirty="0" smtClean="0"/>
-              <a:t>Cells may be dead</a:t>
-            </a:r>
-          </a:p>
-          <a:p>
-            <a:pPr lvl="1"/>
-            <a:r>
-              <a:rPr lang="en-US" dirty="0" smtClean="0"/>
-              <a:t>How valid are the protein dynamics?</a:t>
-            </a:r>
-          </a:p>
-          <a:p>
-            <a:endParaRPr lang="en-US" dirty="0"/>
-          </a:p>
-        </p:txBody>
-      </p:sp>
-    </p:spTree>
-    <p:extLst>
-      <p:ext uri="{BB962C8B-B14F-4D97-AF65-F5344CB8AC3E}">
-        <p14:creationId xmlns:p14="http://schemas.microsoft.com/office/powerpoint/2010/main" val="2142023694"/>
-      </p:ext>
-    </p:extLst>
-  </p:cSld>
-  <p:clrMapOvr>
-    <a:masterClrMapping/>
-  </p:clrMapOvr>
-</p:sld>
-</file>
-
-<file path=ppt/slides/slide14.xml><?xml version="1.0" encoding="utf-8"?>
-<p:sld xmlns:a="http://schemas.openxmlformats.org/drawingml/2006/main" xmlns:r="http://schemas.openxmlformats.org/officeDocument/2006/relationships" xmlns:p="http://schemas.openxmlformats.org/presentationml/2006/main">
-  <p:cSld>
-    <p:spTree>
-      <p:nvGrpSpPr>
-        <p:cNvPr id="1" name=""/>
-        <p:cNvGrpSpPr/>
-        <p:nvPr/>
-      </p:nvGrpSpPr>
-      <p:grpSpPr>
-        <a:xfrm>
-          <a:off x="0" y="0"/>
-          <a:ext cx="0" cy="0"/>
-          <a:chOff x="0" y="0"/>
-          <a:chExt cx="0" cy="0"/>
-        </a:xfrm>
-      </p:grpSpPr>
-      <p:sp>
-        <p:nvSpPr>
-          <p:cNvPr id="2" name="Title 1"/>
-          <p:cNvSpPr>
-            <a:spLocks noGrp="1"/>
-          </p:cNvSpPr>
-          <p:nvPr>
-            <p:ph type="title"/>
-          </p:nvPr>
-        </p:nvSpPr>
-        <p:spPr/>
-        <p:txBody>
-          <a:bodyPr/>
-          <a:lstStyle/>
-          <a:p>
-            <a:r>
-              <a:rPr lang="en-US" dirty="0" smtClean="0"/>
-              <a:t>This study</a:t>
-            </a:r>
-            <a:endParaRPr lang="en-US" dirty="0"/>
-          </a:p>
-        </p:txBody>
-      </p:sp>
-      <p:pic>
-        <p:nvPicPr>
-          <p:cNvPr id="4" name="Picture 3"/>
-          <p:cNvPicPr>
-            <a:picLocks noChangeAspect="1"/>
-          </p:cNvPicPr>
-          <p:nvPr/>
-        </p:nvPicPr>
-        <p:blipFill rotWithShape="1">
-          <a:blip r:embed="rId2">
-            <a:extLst>
-              <a:ext uri="{28A0092B-C50C-407E-A947-70E740481C1C}">
-                <a14:useLocalDpi xmlns:a14="http://schemas.microsoft.com/office/drawing/2010/main" val="0"/>
-              </a:ext>
-            </a:extLst>
-          </a:blip>
-          <a:srcRect b="77629"/>
-          <a:stretch/>
-        </p:blipFill>
-        <p:spPr>
-          <a:xfrm>
-            <a:off x="250825" y="5756275"/>
-            <a:ext cx="11620500" cy="636405"/>
+            <a:off x="1119188" y="668337"/>
+            <a:ext cx="7683500" cy="2451100"/>
           </a:xfrm>
           <a:prstGeom prst="rect">
             <a:avLst/>
@@ -4115,8 +3903,8 @@
         </p:blipFill>
         <p:spPr>
           <a:xfrm>
-            <a:off x="3311525" y="1243013"/>
-            <a:ext cx="6818313" cy="4284480"/>
+            <a:off x="5318125" y="3625850"/>
+            <a:ext cx="5143500" cy="2451100"/>
           </a:xfrm>
           <a:prstGeom prst="rect">
             <a:avLst/>
@@ -4126,17 +3914,24 @@
     </p:spTree>
     <p:extLst>
       <p:ext uri="{BB962C8B-B14F-4D97-AF65-F5344CB8AC3E}">
-        <p14:creationId xmlns:p14="http://schemas.microsoft.com/office/powerpoint/2010/main" val="657245931"/>
+        <p14:creationId xmlns:p14="http://schemas.microsoft.com/office/powerpoint/2010/main" val="1959593136"/>
       </p:ext>
     </p:extLst>
   </p:cSld>
   <p:clrMapOvr>
     <a:masterClrMapping/>
   </p:clrMapOvr>
+  <p:timing>
+    <p:tnLst>
+      <p:par>
+        <p:cTn id="1" dur="indefinite" restart="never" nodeType="tmRoot"/>
+      </p:par>
+    </p:tnLst>
+  </p:timing>
 </p:sld>
 </file>
 
-<file path=ppt/slides/slide15.xml><?xml version="1.0" encoding="utf-8"?>
+<file path=ppt/slides/slide13.xml><?xml version="1.0" encoding="utf-8"?>
 <p:sld xmlns:a="http://schemas.openxmlformats.org/drawingml/2006/main" xmlns:r="http://schemas.openxmlformats.org/officeDocument/2006/relationships" xmlns:p="http://schemas.openxmlformats.org/presentationml/2006/main">
   <p:cSld>
     <p:spTree>
@@ -4175,8 +3970,266 @@
         </p:blipFill>
         <p:spPr>
           <a:xfrm>
-            <a:off x="379412" y="427037"/>
-            <a:ext cx="11620500" cy="2844800"/>
+            <a:off x="114300" y="1695083"/>
+            <a:ext cx="10258425" cy="1067697"/>
+          </a:xfrm>
+          <a:prstGeom prst="rect">
+            <a:avLst/>
+          </a:prstGeom>
+        </p:spPr>
+      </p:pic>
+      <p:cxnSp>
+        <p:nvCxnSpPr>
+          <p:cNvPr id="6" name="Straight Connector 5"/>
+          <p:cNvCxnSpPr/>
+          <p:nvPr/>
+        </p:nvCxnSpPr>
+        <p:spPr>
+          <a:xfrm flipV="1">
+            <a:off x="6900863" y="2243138"/>
+            <a:ext cx="2600325" cy="14287"/>
+          </a:xfrm>
+          <a:prstGeom prst="line">
+            <a:avLst/>
+          </a:prstGeom>
+          <a:ln w="44450">
+            <a:solidFill>
+              <a:srgbClr val="FF0000"/>
+            </a:solidFill>
+          </a:ln>
+        </p:spPr>
+        <p:style>
+          <a:lnRef idx="1">
+            <a:schemeClr val="accent1"/>
+          </a:lnRef>
+          <a:fillRef idx="0">
+            <a:schemeClr val="accent1"/>
+          </a:fillRef>
+          <a:effectRef idx="0">
+            <a:schemeClr val="accent1"/>
+          </a:effectRef>
+          <a:fontRef idx="minor">
+            <a:schemeClr val="tx1"/>
+          </a:fontRef>
+        </p:style>
+      </p:cxnSp>
+      <p:pic>
+        <p:nvPicPr>
+          <p:cNvPr id="7" name="Picture 6"/>
+          <p:cNvPicPr>
+            <a:picLocks noChangeAspect="1"/>
+          </p:cNvPicPr>
+          <p:nvPr/>
+        </p:nvPicPr>
+        <p:blipFill rotWithShape="1">
+          <a:blip r:embed="rId3">
+            <a:extLst>
+              <a:ext uri="{28A0092B-C50C-407E-A947-70E740481C1C}">
+                <a14:useLocalDpi xmlns:a14="http://schemas.microsoft.com/office/drawing/2010/main" val="0"/>
+              </a:ext>
+            </a:extLst>
+          </a:blip>
+          <a:srcRect t="5856"/>
+          <a:stretch/>
+        </p:blipFill>
+        <p:spPr>
+          <a:xfrm>
+            <a:off x="1889125" y="3614738"/>
+            <a:ext cx="8483600" cy="1327150"/>
+          </a:xfrm>
+          <a:prstGeom prst="rect">
+            <a:avLst/>
+          </a:prstGeom>
+        </p:spPr>
+      </p:pic>
+    </p:spTree>
+    <p:extLst>
+      <p:ext uri="{BB962C8B-B14F-4D97-AF65-F5344CB8AC3E}">
+        <p14:creationId xmlns:p14="http://schemas.microsoft.com/office/powerpoint/2010/main" val="1064412676"/>
+      </p:ext>
+    </p:extLst>
+  </p:cSld>
+  <p:clrMapOvr>
+    <a:masterClrMapping/>
+  </p:clrMapOvr>
+  <p:timing>
+    <p:tnLst>
+      <p:par>
+        <p:cTn id="1" dur="indefinite" restart="never" nodeType="tmRoot"/>
+      </p:par>
+    </p:tnLst>
+  </p:timing>
+</p:sld>
+</file>
+
+<file path=ppt/slides/slide14.xml><?xml version="1.0" encoding="utf-8"?>
+<p:sld xmlns:a="http://schemas.openxmlformats.org/drawingml/2006/main" xmlns:r="http://schemas.openxmlformats.org/officeDocument/2006/relationships" xmlns:p="http://schemas.openxmlformats.org/presentationml/2006/main">
+  <p:cSld>
+    <p:spTree>
+      <p:nvGrpSpPr>
+        <p:cNvPr id="1" name=""/>
+        <p:cNvGrpSpPr/>
+        <p:nvPr/>
+      </p:nvGrpSpPr>
+      <p:grpSpPr>
+        <a:xfrm>
+          <a:off x="0" y="0"/>
+          <a:ext cx="0" cy="0"/>
+          <a:chOff x="0" y="0"/>
+          <a:chExt cx="0" cy="0"/>
+        </a:xfrm>
+      </p:grpSpPr>
+      <p:sp>
+        <p:nvSpPr>
+          <p:cNvPr id="2" name="Title 1"/>
+          <p:cNvSpPr>
+            <a:spLocks noGrp="1"/>
+          </p:cNvSpPr>
+          <p:nvPr>
+            <p:ph type="title"/>
+          </p:nvPr>
+        </p:nvSpPr>
+        <p:spPr/>
+        <p:txBody>
+          <a:bodyPr/>
+          <a:lstStyle/>
+          <a:p>
+            <a:r>
+              <a:rPr lang="en-US" dirty="0" smtClean="0"/>
+              <a:t>Previous GATA1/PU.1 Inferences</a:t>
+            </a:r>
+            <a:endParaRPr lang="en-US" dirty="0"/>
+          </a:p>
+        </p:txBody>
+      </p:sp>
+      <p:sp>
+        <p:nvSpPr>
+          <p:cNvPr id="3" name="Content Placeholder 2"/>
+          <p:cNvSpPr>
+            <a:spLocks noGrp="1"/>
+          </p:cNvSpPr>
+          <p:nvPr>
+            <p:ph idx="1"/>
+          </p:nvPr>
+        </p:nvSpPr>
+        <p:spPr/>
+        <p:txBody>
+          <a:bodyPr/>
+          <a:lstStyle/>
+          <a:p>
+            <a:r>
+              <a:rPr lang="en-US" dirty="0" smtClean="0"/>
+              <a:t>Bulk Cell populations</a:t>
+            </a:r>
+          </a:p>
+          <a:p>
+            <a:pPr lvl="1"/>
+            <a:r>
+              <a:rPr lang="en-US" dirty="0" smtClean="0"/>
+              <a:t>Averages</a:t>
+            </a:r>
+          </a:p>
+          <a:p>
+            <a:r>
+              <a:rPr lang="en-US" dirty="0" smtClean="0"/>
+              <a:t>Cells may be dead</a:t>
+            </a:r>
+          </a:p>
+          <a:p>
+            <a:pPr lvl="1"/>
+            <a:r>
+              <a:rPr lang="en-US" dirty="0" smtClean="0"/>
+              <a:t>How valid are the protein dynamics?</a:t>
+            </a:r>
+          </a:p>
+          <a:p>
+            <a:endParaRPr lang="en-US" dirty="0"/>
+          </a:p>
+        </p:txBody>
+      </p:sp>
+    </p:spTree>
+    <p:extLst>
+      <p:ext uri="{BB962C8B-B14F-4D97-AF65-F5344CB8AC3E}">
+        <p14:creationId xmlns:p14="http://schemas.microsoft.com/office/powerpoint/2010/main" val="2142023694"/>
+      </p:ext>
+    </p:extLst>
+  </p:cSld>
+  <p:clrMapOvr>
+    <a:masterClrMapping/>
+  </p:clrMapOvr>
+  <p:timing>
+    <p:tnLst>
+      <p:par>
+        <p:cTn id="1" dur="indefinite" restart="never" nodeType="tmRoot"/>
+      </p:par>
+    </p:tnLst>
+  </p:timing>
+</p:sld>
+</file>
+
+<file path=ppt/slides/slide15.xml><?xml version="1.0" encoding="utf-8"?>
+<p:sld xmlns:a="http://schemas.openxmlformats.org/drawingml/2006/main" xmlns:r="http://schemas.openxmlformats.org/officeDocument/2006/relationships" xmlns:p="http://schemas.openxmlformats.org/presentationml/2006/main">
+  <p:cSld>
+    <p:spTree>
+      <p:nvGrpSpPr>
+        <p:cNvPr id="1" name=""/>
+        <p:cNvGrpSpPr/>
+        <p:nvPr/>
+      </p:nvGrpSpPr>
+      <p:grpSpPr>
+        <a:xfrm>
+          <a:off x="0" y="0"/>
+          <a:ext cx="0" cy="0"/>
+          <a:chOff x="0" y="0"/>
+          <a:chExt cx="0" cy="0"/>
+        </a:xfrm>
+      </p:grpSpPr>
+      <p:sp>
+        <p:nvSpPr>
+          <p:cNvPr id="2" name="Title 1"/>
+          <p:cNvSpPr>
+            <a:spLocks noGrp="1"/>
+          </p:cNvSpPr>
+          <p:nvPr>
+            <p:ph type="title"/>
+          </p:nvPr>
+        </p:nvSpPr>
+        <p:spPr/>
+        <p:txBody>
+          <a:bodyPr/>
+          <a:lstStyle/>
+          <a:p>
+            <a:r>
+              <a:rPr lang="en-US" dirty="0" smtClean="0"/>
+              <a:t>This study</a:t>
+            </a:r>
+            <a:endParaRPr lang="en-US" dirty="0"/>
+          </a:p>
+        </p:txBody>
+      </p:sp>
+      <p:pic>
+        <p:nvPicPr>
+          <p:cNvPr id="4" name="Picture 3"/>
+          <p:cNvPicPr>
+            <a:picLocks noChangeAspect="1"/>
+          </p:cNvPicPr>
+          <p:nvPr/>
+        </p:nvPicPr>
+        <p:blipFill rotWithShape="1">
+          <a:blip r:embed="rId2">
+            <a:extLst>
+              <a:ext uri="{28A0092B-C50C-407E-A947-70E740481C1C}">
+                <a14:useLocalDpi xmlns:a14="http://schemas.microsoft.com/office/drawing/2010/main" val="0"/>
+              </a:ext>
+            </a:extLst>
+          </a:blip>
+          <a:srcRect b="77629"/>
+          <a:stretch/>
+        </p:blipFill>
+        <p:spPr>
+          <a:xfrm>
+            <a:off x="250825" y="5756275"/>
+            <a:ext cx="11620500" cy="636405"/>
           </a:xfrm>
           <a:prstGeom prst="rect">
             <a:avLst/>
@@ -4205,8 +4258,8 @@
         </p:blipFill>
         <p:spPr>
           <a:xfrm>
-            <a:off x="0" y="3794125"/>
-            <a:ext cx="12192000" cy="2635564"/>
+            <a:off x="3311525" y="1243013"/>
+            <a:ext cx="6818313" cy="4284480"/>
           </a:xfrm>
           <a:prstGeom prst="rect">
             <a:avLst/>
@@ -4216,13 +4269,20 @@
     </p:spTree>
     <p:extLst>
       <p:ext uri="{BB962C8B-B14F-4D97-AF65-F5344CB8AC3E}">
-        <p14:creationId xmlns:p14="http://schemas.microsoft.com/office/powerpoint/2010/main" val="1212926204"/>
+        <p14:creationId xmlns:p14="http://schemas.microsoft.com/office/powerpoint/2010/main" val="657245931"/>
       </p:ext>
     </p:extLst>
   </p:cSld>
   <p:clrMapOvr>
     <a:masterClrMapping/>
   </p:clrMapOvr>
+  <p:timing>
+    <p:tnLst>
+      <p:par>
+        <p:cTn id="1" dur="indefinite" restart="never" nodeType="tmRoot"/>
+      </p:par>
+    </p:tnLst>
+  </p:timing>
 </p:sld>
 </file>
 
@@ -4245,13 +4305,11 @@
       </p:grpSpPr>
       <p:pic>
         <p:nvPicPr>
-          <p:cNvPr id="4" name="Content Placeholder 3"/>
+          <p:cNvPr id="4" name="Picture 3"/>
           <p:cNvPicPr>
-            <a:picLocks noGrp="1" noChangeAspect="1"/>
+            <a:picLocks noChangeAspect="1"/>
           </p:cNvPicPr>
-          <p:nvPr>
-            <p:ph idx="1"/>
-          </p:nvPr>
+          <p:nvPr/>
         </p:nvPicPr>
         <p:blipFill>
           <a:blip r:embed="rId2">
@@ -4267,9 +4325,12 @@
         </p:blipFill>
         <p:spPr>
           <a:xfrm>
-            <a:off x="838200" y="0"/>
-            <a:ext cx="10515600" cy="2209064"/>
-          </a:xfrm>
+            <a:off x="379412" y="427037"/>
+            <a:ext cx="11620500" cy="2844800"/>
+          </a:xfrm>
+          <a:prstGeom prst="rect">
+            <a:avLst/>
+          </a:prstGeom>
         </p:spPr>
       </p:pic>
       <p:pic>
@@ -4294,8 +4355,8 @@
         </p:blipFill>
         <p:spPr>
           <a:xfrm>
-            <a:off x="292100" y="3014663"/>
-            <a:ext cx="11607800" cy="2959100"/>
+            <a:off x="0" y="3794125"/>
+            <a:ext cx="12192000" cy="2635564"/>
           </a:xfrm>
           <a:prstGeom prst="rect">
             <a:avLst/>
@@ -4305,13 +4366,20 @@
     </p:spTree>
     <p:extLst>
       <p:ext uri="{BB962C8B-B14F-4D97-AF65-F5344CB8AC3E}">
-        <p14:creationId xmlns:p14="http://schemas.microsoft.com/office/powerpoint/2010/main" val="369836627"/>
+        <p14:creationId xmlns:p14="http://schemas.microsoft.com/office/powerpoint/2010/main" val="1212926204"/>
       </p:ext>
     </p:extLst>
   </p:cSld>
   <p:clrMapOvr>
     <a:masterClrMapping/>
   </p:clrMapOvr>
+  <p:timing>
+    <p:tnLst>
+      <p:par>
+        <p:cTn id="1" dur="indefinite" restart="never" nodeType="tmRoot"/>
+      </p:par>
+    </p:tnLst>
+  </p:timing>
 </p:sld>
 </file>
 
@@ -4332,6 +4400,102 @@
           <a:chExt cx="0" cy="0"/>
         </a:xfrm>
       </p:grpSpPr>
+      <p:pic>
+        <p:nvPicPr>
+          <p:cNvPr id="4" name="Content Placeholder 3"/>
+          <p:cNvPicPr>
+            <a:picLocks noGrp="1" noChangeAspect="1"/>
+          </p:cNvPicPr>
+          <p:nvPr>
+            <p:ph idx="1"/>
+          </p:nvPr>
+        </p:nvPicPr>
+        <p:blipFill>
+          <a:blip r:embed="rId2">
+            <a:extLst>
+              <a:ext uri="{28A0092B-C50C-407E-A947-70E740481C1C}">
+                <a14:useLocalDpi xmlns:a14="http://schemas.microsoft.com/office/drawing/2010/main" val="0"/>
+              </a:ext>
+            </a:extLst>
+          </a:blip>
+          <a:stretch>
+            <a:fillRect/>
+          </a:stretch>
+        </p:blipFill>
+        <p:spPr>
+          <a:xfrm>
+            <a:off x="838200" y="0"/>
+            <a:ext cx="10515600" cy="2209064"/>
+          </a:xfrm>
+        </p:spPr>
+      </p:pic>
+      <p:pic>
+        <p:nvPicPr>
+          <p:cNvPr id="5" name="Picture 4"/>
+          <p:cNvPicPr>
+            <a:picLocks noChangeAspect="1"/>
+          </p:cNvPicPr>
+          <p:nvPr/>
+        </p:nvPicPr>
+        <p:blipFill>
+          <a:blip r:embed="rId3">
+            <a:extLst>
+              <a:ext uri="{28A0092B-C50C-407E-A947-70E740481C1C}">
+                <a14:useLocalDpi xmlns:a14="http://schemas.microsoft.com/office/drawing/2010/main" val="0"/>
+              </a:ext>
+            </a:extLst>
+          </a:blip>
+          <a:stretch>
+            <a:fillRect/>
+          </a:stretch>
+        </p:blipFill>
+        <p:spPr>
+          <a:xfrm>
+            <a:off x="292100" y="3014663"/>
+            <a:ext cx="11607800" cy="2959100"/>
+          </a:xfrm>
+          <a:prstGeom prst="rect">
+            <a:avLst/>
+          </a:prstGeom>
+        </p:spPr>
+      </p:pic>
+    </p:spTree>
+    <p:extLst>
+      <p:ext uri="{BB962C8B-B14F-4D97-AF65-F5344CB8AC3E}">
+        <p14:creationId xmlns:p14="http://schemas.microsoft.com/office/powerpoint/2010/main" val="369836627"/>
+      </p:ext>
+    </p:extLst>
+  </p:cSld>
+  <p:clrMapOvr>
+    <a:masterClrMapping/>
+  </p:clrMapOvr>
+  <p:timing>
+    <p:tnLst>
+      <p:par>
+        <p:cTn id="1" dur="indefinite" restart="never" nodeType="tmRoot"/>
+      </p:par>
+    </p:tnLst>
+  </p:timing>
+</p:sld>
+</file>
+
+<file path=ppt/slides/slide18.xml><?xml version="1.0" encoding="utf-8"?>
+<p:sld xmlns:a="http://schemas.openxmlformats.org/drawingml/2006/main" xmlns:r="http://schemas.openxmlformats.org/officeDocument/2006/relationships" xmlns:p="http://schemas.openxmlformats.org/presentationml/2006/main">
+  <p:cSld>
+    <p:spTree>
+      <p:nvGrpSpPr>
+        <p:cNvPr id="1" name=""/>
+        <p:cNvGrpSpPr/>
+        <p:nvPr/>
+      </p:nvGrpSpPr>
+      <p:grpSpPr>
+        <a:xfrm>
+          <a:off x="0" y="0"/>
+          <a:ext cx="0" cy="0"/>
+          <a:chOff x="0" y="0"/>
+          <a:chExt cx="0" cy="0"/>
+        </a:xfrm>
+      </p:grpSpPr>
       <p:sp>
         <p:nvSpPr>
           <p:cNvPr id="2" name="Title 1"/>
@@ -4410,10 +4574,17 @@
   <p:clrMapOvr>
     <a:masterClrMapping/>
   </p:clrMapOvr>
+  <p:timing>
+    <p:tnLst>
+      <p:par>
+        <p:cTn id="1" dur="indefinite" restart="never" nodeType="tmRoot"/>
+      </p:par>
+    </p:tnLst>
+  </p:timing>
 </p:sld>
 </file>
 
-<file path=ppt/slides/slide18.xml><?xml version="1.0" encoding="utf-8"?>
+<file path=ppt/slides/slide19.xml><?xml version="1.0" encoding="utf-8"?>
 <p:sld xmlns:a="http://schemas.openxmlformats.org/drawingml/2006/main" xmlns:r="http://schemas.openxmlformats.org/officeDocument/2006/relationships" xmlns:p="http://schemas.openxmlformats.org/presentationml/2006/main">
   <p:cSld>
     <p:spTree>
@@ -4509,10 +4680,136 @@
   <p:clrMapOvr>
     <a:masterClrMapping/>
   </p:clrMapOvr>
+  <p:timing>
+    <p:tnLst>
+      <p:par>
+        <p:cTn id="1" dur="indefinite" restart="never" nodeType="tmRoot"/>
+      </p:par>
+    </p:tnLst>
+  </p:timing>
 </p:sld>
 </file>
 
-<file path=ppt/slides/slide19.xml><?xml version="1.0" encoding="utf-8"?>
+<file path=ppt/slides/slide2.xml><?xml version="1.0" encoding="utf-8"?>
+<p:sld xmlns:a="http://schemas.openxmlformats.org/drawingml/2006/main" xmlns:r="http://schemas.openxmlformats.org/officeDocument/2006/relationships" xmlns:p="http://schemas.openxmlformats.org/presentationml/2006/main">
+  <p:cSld>
+    <p:spTree>
+      <p:nvGrpSpPr>
+        <p:cNvPr id="1" name=""/>
+        <p:cNvGrpSpPr/>
+        <p:nvPr/>
+      </p:nvGrpSpPr>
+      <p:grpSpPr>
+        <a:xfrm>
+          <a:off x="0" y="0"/>
+          <a:ext cx="0" cy="0"/>
+          <a:chOff x="0" y="0"/>
+          <a:chExt cx="0" cy="0"/>
+        </a:xfrm>
+      </p:grpSpPr>
+      <p:sp>
+        <p:nvSpPr>
+          <p:cNvPr id="2" name="Title 1"/>
+          <p:cNvSpPr>
+            <a:spLocks noGrp="1"/>
+          </p:cNvSpPr>
+          <p:nvPr>
+            <p:ph type="title"/>
+          </p:nvPr>
+        </p:nvSpPr>
+        <p:spPr/>
+        <p:txBody>
+          <a:bodyPr/>
+          <a:lstStyle/>
+          <a:p>
+            <a:r>
+              <a:rPr lang="en-US" dirty="0" smtClean="0"/>
+              <a:t>Overview</a:t>
+            </a:r>
+            <a:endParaRPr lang="en-US" dirty="0"/>
+          </a:p>
+        </p:txBody>
+      </p:sp>
+      <p:sp>
+        <p:nvSpPr>
+          <p:cNvPr id="3" name="Content Placeholder 2"/>
+          <p:cNvSpPr>
+            <a:spLocks noGrp="1"/>
+          </p:cNvSpPr>
+          <p:nvPr>
+            <p:ph idx="1"/>
+          </p:nvPr>
+        </p:nvSpPr>
+        <p:spPr/>
+        <p:txBody>
+          <a:bodyPr/>
+          <a:lstStyle/>
+          <a:p>
+            <a:r>
+              <a:rPr lang="en-US" dirty="0" smtClean="0"/>
+              <a:t>Authors</a:t>
+            </a:r>
+          </a:p>
+          <a:p>
+            <a:r>
+              <a:rPr lang="en-US" dirty="0" smtClean="0"/>
+              <a:t>Hematopoietic lineage</a:t>
+            </a:r>
+          </a:p>
+          <a:p>
+            <a:pPr lvl="1"/>
+            <a:r>
+              <a:rPr lang="en-US" dirty="0" smtClean="0"/>
+              <a:t>PU1/GATA1</a:t>
+            </a:r>
+          </a:p>
+          <a:p>
+            <a:r>
+              <a:rPr lang="en-US" dirty="0" smtClean="0"/>
+              <a:t>Methods</a:t>
+            </a:r>
+          </a:p>
+          <a:p>
+            <a:r>
+              <a:rPr lang="en-US" dirty="0" smtClean="0"/>
+              <a:t>Hoppe </a:t>
+            </a:r>
+            <a:r>
+              <a:rPr lang="en-US" i="1" dirty="0" smtClean="0"/>
+              <a:t>et al.</a:t>
+            </a:r>
+            <a:endParaRPr lang="en-US" dirty="0" smtClean="0"/>
+          </a:p>
+          <a:p>
+            <a:r>
+              <a:rPr lang="en-US" dirty="0" smtClean="0"/>
+              <a:t>Discussion </a:t>
+            </a:r>
+            <a:endParaRPr lang="en-US" dirty="0"/>
+          </a:p>
+        </p:txBody>
+      </p:sp>
+    </p:spTree>
+    <p:extLst>
+      <p:ext uri="{BB962C8B-B14F-4D97-AF65-F5344CB8AC3E}">
+        <p14:creationId xmlns:p14="http://schemas.microsoft.com/office/powerpoint/2010/main" val="1847983521"/>
+      </p:ext>
+    </p:extLst>
+  </p:cSld>
+  <p:clrMapOvr>
+    <a:masterClrMapping/>
+  </p:clrMapOvr>
+  <p:timing>
+    <p:tnLst>
+      <p:par>
+        <p:cTn id="1" dur="indefinite" restart="never" nodeType="tmRoot"/>
+      </p:par>
+    </p:tnLst>
+  </p:timing>
+</p:sld>
+</file>
+
+<file path=ppt/slides/slide20.xml><?xml version="1.0" encoding="utf-8"?>
 <p:sld xmlns:a="http://schemas.openxmlformats.org/drawingml/2006/main" xmlns:r="http://schemas.openxmlformats.org/officeDocument/2006/relationships" xmlns:p="http://schemas.openxmlformats.org/presentationml/2006/main">
   <p:cSld>
     <p:spTree>
@@ -4597,10 +4894,17 @@
   <p:clrMapOvr>
     <a:masterClrMapping/>
   </p:clrMapOvr>
+  <p:timing>
+    <p:tnLst>
+      <p:par>
+        <p:cTn id="1" dur="indefinite" restart="never" nodeType="tmRoot"/>
+      </p:par>
+    </p:tnLst>
+  </p:timing>
 </p:sld>
 </file>
 
-<file path=ppt/slides/slide2.xml><?xml version="1.0" encoding="utf-8"?>
+<file path=ppt/slides/slide21.xml><?xml version="1.0" encoding="utf-8"?>
 <p:sld xmlns:a="http://schemas.openxmlformats.org/drawingml/2006/main" xmlns:r="http://schemas.openxmlformats.org/officeDocument/2006/relationships" xmlns:p="http://schemas.openxmlformats.org/presentationml/2006/main">
   <p:cSld>
     <p:spTree>
@@ -4634,118 +4938,6 @@
           <a:p>
             <a:r>
               <a:rPr lang="en-US" dirty="0" smtClean="0"/>
-              <a:t>Overview</a:t>
-            </a:r>
-            <a:endParaRPr lang="en-US" dirty="0"/>
-          </a:p>
-        </p:txBody>
-      </p:sp>
-      <p:sp>
-        <p:nvSpPr>
-          <p:cNvPr id="3" name="Content Placeholder 2"/>
-          <p:cNvSpPr>
-            <a:spLocks noGrp="1"/>
-          </p:cNvSpPr>
-          <p:nvPr>
-            <p:ph idx="1"/>
-          </p:nvPr>
-        </p:nvSpPr>
-        <p:spPr/>
-        <p:txBody>
-          <a:bodyPr/>
-          <a:lstStyle/>
-          <a:p>
-            <a:r>
-              <a:rPr lang="en-US" dirty="0" smtClean="0"/>
-              <a:t>Authors</a:t>
-            </a:r>
-          </a:p>
-          <a:p>
-            <a:r>
-              <a:rPr lang="en-US" dirty="0" smtClean="0"/>
-              <a:t>Hematopoietic lineage</a:t>
-            </a:r>
-          </a:p>
-          <a:p>
-            <a:pPr lvl="1"/>
-            <a:r>
-              <a:rPr lang="en-US" dirty="0" smtClean="0"/>
-              <a:t>PU1/GATA1</a:t>
-            </a:r>
-          </a:p>
-          <a:p>
-            <a:r>
-              <a:rPr lang="en-US" dirty="0" smtClean="0"/>
-              <a:t>Methods</a:t>
-            </a:r>
-          </a:p>
-          <a:p>
-            <a:r>
-              <a:rPr lang="en-US" dirty="0" smtClean="0"/>
-              <a:t>Hoppe </a:t>
-            </a:r>
-            <a:r>
-              <a:rPr lang="en-US" i="1" dirty="0" smtClean="0"/>
-              <a:t>et al.</a:t>
-            </a:r>
-            <a:endParaRPr lang="en-US" dirty="0" smtClean="0"/>
-          </a:p>
-          <a:p>
-            <a:r>
-              <a:rPr lang="en-US" dirty="0" smtClean="0"/>
-              <a:t>Discussion </a:t>
-            </a:r>
-            <a:endParaRPr lang="en-US" dirty="0"/>
-          </a:p>
-        </p:txBody>
-      </p:sp>
-    </p:spTree>
-    <p:extLst>
-      <p:ext uri="{BB962C8B-B14F-4D97-AF65-F5344CB8AC3E}">
-        <p14:creationId xmlns:p14="http://schemas.microsoft.com/office/powerpoint/2010/main" val="1847983521"/>
-      </p:ext>
-    </p:extLst>
-  </p:cSld>
-  <p:clrMapOvr>
-    <a:masterClrMapping/>
-  </p:clrMapOvr>
-</p:sld>
-</file>
-
-<file path=ppt/slides/slide20.xml><?xml version="1.0" encoding="utf-8"?>
-<p:sld xmlns:a="http://schemas.openxmlformats.org/drawingml/2006/main" xmlns:r="http://schemas.openxmlformats.org/officeDocument/2006/relationships" xmlns:p="http://schemas.openxmlformats.org/presentationml/2006/main">
-  <p:cSld>
-    <p:spTree>
-      <p:nvGrpSpPr>
-        <p:cNvPr id="1" name=""/>
-        <p:cNvGrpSpPr/>
-        <p:nvPr/>
-      </p:nvGrpSpPr>
-      <p:grpSpPr>
-        <a:xfrm>
-          <a:off x="0" y="0"/>
-          <a:ext cx="0" cy="0"/>
-          <a:chOff x="0" y="0"/>
-          <a:chExt cx="0" cy="0"/>
-        </a:xfrm>
-      </p:grpSpPr>
-      <p:sp>
-        <p:nvSpPr>
-          <p:cNvPr id="2" name="Title 1"/>
-          <p:cNvSpPr>
-            <a:spLocks noGrp="1"/>
-          </p:cNvSpPr>
-          <p:nvPr>
-            <p:ph type="title"/>
-          </p:nvPr>
-        </p:nvSpPr>
-        <p:spPr/>
-        <p:txBody>
-          <a:bodyPr/>
-          <a:lstStyle/>
-          <a:p>
-            <a:r>
-              <a:rPr lang="en-US" dirty="0" smtClean="0"/>
               <a:t>Takeaways from Figure 2	</a:t>
             </a:r>
             <a:endParaRPr lang="en-US" dirty="0"/>
@@ -4801,10 +4993,17 @@
   <p:clrMapOvr>
     <a:masterClrMapping/>
   </p:clrMapOvr>
+  <p:timing>
+    <p:tnLst>
+      <p:par>
+        <p:cTn id="1" dur="indefinite" restart="never" nodeType="tmRoot"/>
+      </p:par>
+    </p:tnLst>
+  </p:timing>
 </p:sld>
 </file>
 
-<file path=ppt/slides/slide21.xml><?xml version="1.0" encoding="utf-8"?>
+<file path=ppt/slides/slide22.xml><?xml version="1.0" encoding="utf-8"?>
 <p:sld xmlns:a="http://schemas.openxmlformats.org/drawingml/2006/main" xmlns:r="http://schemas.openxmlformats.org/officeDocument/2006/relationships" xmlns:p="http://schemas.openxmlformats.org/presentationml/2006/main">
   <p:cSld>
     <p:spTree>
@@ -4861,10 +5060,17 @@
   <p:clrMapOvr>
     <a:masterClrMapping/>
   </p:clrMapOvr>
+  <p:timing>
+    <p:tnLst>
+      <p:par>
+        <p:cTn id="1" dur="indefinite" restart="never" nodeType="tmRoot"/>
+      </p:par>
+    </p:tnLst>
+  </p:timing>
 </p:sld>
 </file>
 
-<file path=ppt/slides/slide22.xml><?xml version="1.0" encoding="utf-8"?>
+<file path=ppt/slides/slide23.xml><?xml version="1.0" encoding="utf-8"?>
 <p:sld xmlns:a="http://schemas.openxmlformats.org/drawingml/2006/main" xmlns:r="http://schemas.openxmlformats.org/officeDocument/2006/relationships" xmlns:p="http://schemas.openxmlformats.org/presentationml/2006/main">
   <p:cSld>
     <p:spTree>
@@ -4959,10 +5165,17 @@
   <p:clrMapOvr>
     <a:masterClrMapping/>
   </p:clrMapOvr>
+  <p:timing>
+    <p:tnLst>
+      <p:par>
+        <p:cTn id="1" dur="indefinite" restart="never" nodeType="tmRoot"/>
+      </p:par>
+    </p:tnLst>
+  </p:timing>
 </p:sld>
 </file>
 
-<file path=ppt/slides/slide23.xml><?xml version="1.0" encoding="utf-8"?>
+<file path=ppt/slides/slide24.xml><?xml version="1.0" encoding="utf-8"?>
 <p:sld xmlns:a="http://schemas.openxmlformats.org/drawingml/2006/main" xmlns:r="http://schemas.openxmlformats.org/officeDocument/2006/relationships" xmlns:p="http://schemas.openxmlformats.org/presentationml/2006/main">
   <p:cSld>
     <p:spTree>
@@ -5019,10 +5232,17 @@
   <p:clrMapOvr>
     <a:masterClrMapping/>
   </p:clrMapOvr>
+  <p:timing>
+    <p:tnLst>
+      <p:par>
+        <p:cTn id="1" dur="indefinite" restart="never" nodeType="tmRoot"/>
+      </p:par>
+    </p:tnLst>
+  </p:timing>
 </p:sld>
 </file>
 
-<file path=ppt/slides/slide24.xml><?xml version="1.0" encoding="utf-8"?>
+<file path=ppt/slides/slide25.xml><?xml version="1.0" encoding="utf-8"?>
 <p:sld xmlns:a="http://schemas.openxmlformats.org/drawingml/2006/main" xmlns:r="http://schemas.openxmlformats.org/officeDocument/2006/relationships" xmlns:p="http://schemas.openxmlformats.org/presentationml/2006/main">
   <p:cSld>
     <p:spTree>
@@ -5069,6 +5289,40 @@
           </a:prstGeom>
         </p:spPr>
       </p:pic>
+      <p:sp>
+        <p:nvSpPr>
+          <p:cNvPr id="2" name="TextBox 1"/>
+          <p:cNvSpPr txBox="1"/>
+          <p:nvPr/>
+        </p:nvSpPr>
+        <p:spPr>
+          <a:xfrm>
+            <a:off x="3086100" y="528638"/>
+            <a:ext cx="6464300" cy="369332"/>
+          </a:xfrm>
+          <a:prstGeom prst="rect">
+            <a:avLst/>
+          </a:prstGeom>
+          <a:noFill/>
+        </p:spPr>
+        <p:txBody>
+          <a:bodyPr wrap="square" rtlCol="0">
+            <a:spAutoFit/>
+          </a:bodyPr>
+          <a:lstStyle/>
+          <a:p>
+            <a:r>
+              <a:rPr lang="en-US" dirty="0" smtClean="0"/>
+              <a:t>                           GM                                                   </a:t>
+            </a:r>
+            <a:r>
+              <a:rPr lang="en-US" dirty="0" err="1" smtClean="0"/>
+              <a:t>MegE</a:t>
+            </a:r>
+            <a:endParaRPr lang="en-US" dirty="0"/>
+          </a:p>
+        </p:txBody>
+      </p:sp>
     </p:spTree>
     <p:extLst>
       <p:ext uri="{BB962C8B-B14F-4D97-AF65-F5344CB8AC3E}">
@@ -5079,10 +5333,17 @@
   <p:clrMapOvr>
     <a:masterClrMapping/>
   </p:clrMapOvr>
+  <p:timing>
+    <p:tnLst>
+      <p:par>
+        <p:cTn id="1" dur="indefinite" restart="never" nodeType="tmRoot"/>
+      </p:par>
+    </p:tnLst>
+  </p:timing>
 </p:sld>
 </file>
 
-<file path=ppt/slides/slide25.xml><?xml version="1.0" encoding="utf-8"?>
+<file path=ppt/slides/slide26.xml><?xml version="1.0" encoding="utf-8"?>
 <p:sld xmlns:a="http://schemas.openxmlformats.org/drawingml/2006/main" xmlns:r="http://schemas.openxmlformats.org/officeDocument/2006/relationships" xmlns:p="http://schemas.openxmlformats.org/presentationml/2006/main">
   <p:cSld>
     <p:spTree>
@@ -5151,15 +5412,7 @@
           <a:p>
             <a:r>
               <a:rPr lang="en-US" dirty="0" smtClean="0"/>
-              <a:t>Figure 3 verifies flow cytometry = </a:t>
-            </a:r>
-            <a:r>
-              <a:rPr lang="en-US" dirty="0" err="1" smtClean="0"/>
-              <a:t>flourescence</a:t>
-            </a:r>
-            <a:r>
-              <a:rPr lang="en-US" dirty="0" smtClean="0"/>
-              <a:t> imaging</a:t>
+              <a:t>Figure 3 verifies flow cytometry = fluorescence imaging</a:t>
             </a:r>
           </a:p>
           <a:p>
@@ -5211,10 +5464,511 @@
   <p:clrMapOvr>
     <a:masterClrMapping/>
   </p:clrMapOvr>
+  <p:timing>
+    <p:tnLst>
+      <p:par>
+        <p:cTn id="1" dur="indefinite" restart="never" nodeType="tmRoot"/>
+      </p:par>
+    </p:tnLst>
+  </p:timing>
 </p:sld>
 </file>
 
-<file path=ppt/slides/slide26.xml><?xml version="1.0" encoding="utf-8"?>
+<file path=ppt/slides/slide27.xml><?xml version="1.0" encoding="utf-8"?>
+<p:sld xmlns:a="http://schemas.openxmlformats.org/drawingml/2006/main" xmlns:r="http://schemas.openxmlformats.org/officeDocument/2006/relationships" xmlns:p="http://schemas.openxmlformats.org/presentationml/2006/main">
+  <p:cSld>
+    <p:spTree>
+      <p:nvGrpSpPr>
+        <p:cNvPr id="1" name=""/>
+        <p:cNvGrpSpPr/>
+        <p:nvPr/>
+      </p:nvGrpSpPr>
+      <p:grpSpPr>
+        <a:xfrm>
+          <a:off x="0" y="0"/>
+          <a:ext cx="0" cy="0"/>
+          <a:chOff x="0" y="0"/>
+          <a:chExt cx="0" cy="0"/>
+        </a:xfrm>
+      </p:grpSpPr>
+      <p:sp>
+        <p:nvSpPr>
+          <p:cNvPr id="2" name="Title 1"/>
+          <p:cNvSpPr>
+            <a:spLocks noGrp="1"/>
+          </p:cNvSpPr>
+          <p:nvPr>
+            <p:ph type="title"/>
+          </p:nvPr>
+        </p:nvSpPr>
+        <p:spPr/>
+        <p:txBody>
+          <a:bodyPr/>
+          <a:lstStyle/>
+          <a:p>
+            <a:r>
+              <a:rPr lang="en-US" dirty="0" smtClean="0"/>
+              <a:t>What if the alternative was true?</a:t>
+            </a:r>
+            <a:endParaRPr lang="en-US" dirty="0"/>
+          </a:p>
+        </p:txBody>
+      </p:sp>
+      <p:pic>
+        <p:nvPicPr>
+          <p:cNvPr id="4" name="Picture 3"/>
+          <p:cNvPicPr>
+            <a:picLocks noChangeAspect="1"/>
+          </p:cNvPicPr>
+          <p:nvPr/>
+        </p:nvPicPr>
+        <p:blipFill>
+          <a:blip r:embed="rId2">
+            <a:extLst>
+              <a:ext uri="{28A0092B-C50C-407E-A947-70E740481C1C}">
+                <a14:useLocalDpi xmlns:a14="http://schemas.microsoft.com/office/drawing/2010/main" val="0"/>
+              </a:ext>
+            </a:extLst>
+          </a:blip>
+          <a:stretch>
+            <a:fillRect/>
+          </a:stretch>
+        </p:blipFill>
+        <p:spPr>
+          <a:xfrm>
+            <a:off x="355599" y="1576388"/>
+            <a:ext cx="5295900" cy="1308100"/>
+          </a:xfrm>
+          <a:prstGeom prst="rect">
+            <a:avLst/>
+          </a:prstGeom>
+        </p:spPr>
+      </p:pic>
+      <p:pic>
+        <p:nvPicPr>
+          <p:cNvPr id="5" name="Picture 4"/>
+          <p:cNvPicPr>
+            <a:picLocks noChangeAspect="1"/>
+          </p:cNvPicPr>
+          <p:nvPr/>
+        </p:nvPicPr>
+        <p:blipFill>
+          <a:blip r:embed="rId3">
+            <a:extLst>
+              <a:ext uri="{28A0092B-C50C-407E-A947-70E740481C1C}">
+                <a14:useLocalDpi xmlns:a14="http://schemas.microsoft.com/office/drawing/2010/main" val="0"/>
+              </a:ext>
+            </a:extLst>
+          </a:blip>
+          <a:stretch>
+            <a:fillRect/>
+          </a:stretch>
+        </p:blipFill>
+        <p:spPr>
+          <a:xfrm>
+            <a:off x="0" y="2984490"/>
+            <a:ext cx="12192000" cy="3419420"/>
+          </a:xfrm>
+          <a:prstGeom prst="rect">
+            <a:avLst/>
+          </a:prstGeom>
+        </p:spPr>
+      </p:pic>
+      <p:sp>
+        <p:nvSpPr>
+          <p:cNvPr id="6" name="Oval 5"/>
+          <p:cNvSpPr/>
+          <p:nvPr/>
+        </p:nvSpPr>
+        <p:spPr>
+          <a:xfrm>
+            <a:off x="6872288" y="5043488"/>
+            <a:ext cx="285750" cy="300038"/>
+          </a:xfrm>
+          <a:prstGeom prst="ellipse">
+            <a:avLst/>
+          </a:prstGeom>
+        </p:spPr>
+        <p:style>
+          <a:lnRef idx="2">
+            <a:schemeClr val="accent1">
+              <a:shade val="50000"/>
+            </a:schemeClr>
+          </a:lnRef>
+          <a:fillRef idx="1">
+            <a:schemeClr val="accent1"/>
+          </a:fillRef>
+          <a:effectRef idx="0">
+            <a:schemeClr val="accent1"/>
+          </a:effectRef>
+          <a:fontRef idx="minor">
+            <a:schemeClr val="lt1"/>
+          </a:fontRef>
+        </p:style>
+        <p:txBody>
+          <a:bodyPr rtlCol="0" anchor="ctr"/>
+          <a:lstStyle/>
+          <a:p>
+            <a:pPr algn="ctr"/>
+            <a:endParaRPr lang="en-US"/>
+          </a:p>
+        </p:txBody>
+      </p:sp>
+      <p:sp>
+        <p:nvSpPr>
+          <p:cNvPr id="7" name="Oval 6"/>
+          <p:cNvSpPr/>
+          <p:nvPr/>
+        </p:nvSpPr>
+        <p:spPr>
+          <a:xfrm>
+            <a:off x="3567113" y="5043488"/>
+            <a:ext cx="285750" cy="300038"/>
+          </a:xfrm>
+          <a:prstGeom prst="ellipse">
+            <a:avLst/>
+          </a:prstGeom>
+        </p:spPr>
+        <p:style>
+          <a:lnRef idx="2">
+            <a:schemeClr val="accent1">
+              <a:shade val="50000"/>
+            </a:schemeClr>
+          </a:lnRef>
+          <a:fillRef idx="1">
+            <a:schemeClr val="accent1"/>
+          </a:fillRef>
+          <a:effectRef idx="0">
+            <a:schemeClr val="accent1"/>
+          </a:effectRef>
+          <a:fontRef idx="minor">
+            <a:schemeClr val="lt1"/>
+          </a:fontRef>
+        </p:style>
+        <p:txBody>
+          <a:bodyPr rtlCol="0" anchor="ctr"/>
+          <a:lstStyle/>
+          <a:p>
+            <a:pPr algn="ctr"/>
+            <a:endParaRPr lang="en-US"/>
+          </a:p>
+        </p:txBody>
+      </p:sp>
+      <p:sp>
+        <p:nvSpPr>
+          <p:cNvPr id="8" name="TextBox 7"/>
+          <p:cNvSpPr txBox="1"/>
+          <p:nvPr/>
+        </p:nvSpPr>
+        <p:spPr>
+          <a:xfrm>
+            <a:off x="8315325" y="2230438"/>
+            <a:ext cx="2914650" cy="369332"/>
+          </a:xfrm>
+          <a:prstGeom prst="rect">
+            <a:avLst/>
+          </a:prstGeom>
+          <a:noFill/>
+        </p:spPr>
+        <p:txBody>
+          <a:bodyPr wrap="square" rtlCol="0">
+            <a:spAutoFit/>
+          </a:bodyPr>
+          <a:lstStyle/>
+          <a:p>
+            <a:r>
+              <a:rPr lang="en-US" smtClean="0"/>
+              <a:t>Would want 50%/50%</a:t>
+            </a:r>
+            <a:endParaRPr lang="en-US"/>
+          </a:p>
+        </p:txBody>
+      </p:sp>
+      <p:cxnSp>
+        <p:nvCxnSpPr>
+          <p:cNvPr id="10" name="Straight Arrow Connector 9"/>
+          <p:cNvCxnSpPr/>
+          <p:nvPr/>
+        </p:nvCxnSpPr>
+        <p:spPr>
+          <a:xfrm flipH="1">
+            <a:off x="4229101" y="2742129"/>
+            <a:ext cx="4829174" cy="2189689"/>
+          </a:xfrm>
+          <a:prstGeom prst="straightConnector1">
+            <a:avLst/>
+          </a:prstGeom>
+          <a:ln w="69850">
+            <a:tailEnd type="triangle"/>
+          </a:ln>
+        </p:spPr>
+        <p:style>
+          <a:lnRef idx="1">
+            <a:schemeClr val="accent1"/>
+          </a:lnRef>
+          <a:fillRef idx="0">
+            <a:schemeClr val="accent1"/>
+          </a:fillRef>
+          <a:effectRef idx="0">
+            <a:schemeClr val="accent1"/>
+          </a:effectRef>
+          <a:fontRef idx="minor">
+            <a:schemeClr val="tx1"/>
+          </a:fontRef>
+        </p:style>
+      </p:cxnSp>
+      <p:cxnSp>
+        <p:nvCxnSpPr>
+          <p:cNvPr id="13" name="Straight Arrow Connector 12"/>
+          <p:cNvCxnSpPr/>
+          <p:nvPr/>
+        </p:nvCxnSpPr>
+        <p:spPr>
+          <a:xfrm flipH="1">
+            <a:off x="7158038" y="2797964"/>
+            <a:ext cx="2474911" cy="2133854"/>
+          </a:xfrm>
+          <a:prstGeom prst="straightConnector1">
+            <a:avLst/>
+          </a:prstGeom>
+          <a:ln w="69850">
+            <a:tailEnd type="triangle"/>
+          </a:ln>
+        </p:spPr>
+        <p:style>
+          <a:lnRef idx="1">
+            <a:schemeClr val="accent1"/>
+          </a:lnRef>
+          <a:fillRef idx="0">
+            <a:schemeClr val="accent1"/>
+          </a:fillRef>
+          <a:effectRef idx="0">
+            <a:schemeClr val="accent1"/>
+          </a:effectRef>
+          <a:fontRef idx="minor">
+            <a:schemeClr val="tx1"/>
+          </a:fontRef>
+        </p:style>
+      </p:cxnSp>
+      <p:cxnSp>
+        <p:nvCxnSpPr>
+          <p:cNvPr id="15" name="Straight Arrow Connector 14"/>
+          <p:cNvCxnSpPr/>
+          <p:nvPr/>
+        </p:nvCxnSpPr>
+        <p:spPr>
+          <a:xfrm>
+            <a:off x="10142537" y="2775972"/>
+            <a:ext cx="422277" cy="753041"/>
+          </a:xfrm>
+          <a:prstGeom prst="straightConnector1">
+            <a:avLst/>
+          </a:prstGeom>
+          <a:ln w="69850">
+            <a:tailEnd type="triangle"/>
+          </a:ln>
+        </p:spPr>
+        <p:style>
+          <a:lnRef idx="1">
+            <a:schemeClr val="accent1"/>
+          </a:lnRef>
+          <a:fillRef idx="0">
+            <a:schemeClr val="accent1"/>
+          </a:fillRef>
+          <a:effectRef idx="0">
+            <a:schemeClr val="accent1"/>
+          </a:effectRef>
+          <a:fontRef idx="minor">
+            <a:schemeClr val="tx1"/>
+          </a:fontRef>
+        </p:style>
+      </p:cxnSp>
+    </p:spTree>
+    <p:extLst>
+      <p:ext uri="{BB962C8B-B14F-4D97-AF65-F5344CB8AC3E}">
+        <p14:creationId xmlns:p14="http://schemas.microsoft.com/office/powerpoint/2010/main" val="1172778790"/>
+      </p:ext>
+    </p:extLst>
+  </p:cSld>
+  <p:clrMapOvr>
+    <a:masterClrMapping/>
+  </p:clrMapOvr>
+  <p:timing>
+    <p:tnLst>
+      <p:par>
+        <p:cTn id="1" dur="indefinite" restart="never" nodeType="tmRoot"/>
+      </p:par>
+    </p:tnLst>
+  </p:timing>
+</p:sld>
+</file>
+
+<file path=ppt/slides/slide28.xml><?xml version="1.0" encoding="utf-8"?>
+<p:sld xmlns:a="http://schemas.openxmlformats.org/drawingml/2006/main" xmlns:r="http://schemas.openxmlformats.org/officeDocument/2006/relationships" xmlns:p="http://schemas.openxmlformats.org/presentationml/2006/main">
+  <p:cSld>
+    <p:spTree>
+      <p:nvGrpSpPr>
+        <p:cNvPr id="1" name=""/>
+        <p:cNvGrpSpPr/>
+        <p:nvPr/>
+      </p:nvGrpSpPr>
+      <p:grpSpPr>
+        <a:xfrm>
+          <a:off x="0" y="0"/>
+          <a:ext cx="0" cy="0"/>
+          <a:chOff x="0" y="0"/>
+          <a:chExt cx="0" cy="0"/>
+        </a:xfrm>
+      </p:grpSpPr>
+      <p:pic>
+        <p:nvPicPr>
+          <p:cNvPr id="5" name="Content Placeholder 4"/>
+          <p:cNvPicPr>
+            <a:picLocks noGrp="1" noChangeAspect="1"/>
+          </p:cNvPicPr>
+          <p:nvPr>
+            <p:ph idx="1"/>
+          </p:nvPr>
+        </p:nvPicPr>
+        <p:blipFill>
+          <a:blip r:embed="rId2">
+            <a:extLst>
+              <a:ext uri="{28A0092B-C50C-407E-A947-70E740481C1C}">
+                <a14:useLocalDpi xmlns:a14="http://schemas.microsoft.com/office/drawing/2010/main" val="0"/>
+              </a:ext>
+            </a:extLst>
+          </a:blip>
+          <a:stretch>
+            <a:fillRect/>
+          </a:stretch>
+        </p:blipFill>
+        <p:spPr>
+          <a:xfrm>
+            <a:off x="3024136" y="1825625"/>
+            <a:ext cx="6143728" cy="4351338"/>
+          </a:xfrm>
+          <a:prstGeom prst="rect">
+            <a:avLst/>
+          </a:prstGeom>
+        </p:spPr>
+      </p:pic>
+      <p:sp>
+        <p:nvSpPr>
+          <p:cNvPr id="6" name="TextBox 5"/>
+          <p:cNvSpPr txBox="1"/>
+          <p:nvPr/>
+        </p:nvSpPr>
+        <p:spPr>
+          <a:xfrm>
+            <a:off x="628651" y="5000625"/>
+            <a:ext cx="1728787" cy="646331"/>
+          </a:xfrm>
+          <a:prstGeom prst="rect">
+            <a:avLst/>
+          </a:prstGeom>
+          <a:noFill/>
+        </p:spPr>
+        <p:txBody>
+          <a:bodyPr wrap="square" rtlCol="0">
+            <a:spAutoFit/>
+          </a:bodyPr>
+          <a:lstStyle/>
+          <a:p>
+            <a:r>
+              <a:rPr lang="en-US" b="1" dirty="0" smtClean="0">
+                <a:solidFill>
+                  <a:srgbClr val="FF0000"/>
+                </a:solidFill>
+              </a:rPr>
+              <a:t>Higher levels of GATA1 earlier</a:t>
+            </a:r>
+            <a:endParaRPr lang="en-US" b="1" dirty="0">
+              <a:solidFill>
+                <a:srgbClr val="FF0000"/>
+              </a:solidFill>
+            </a:endParaRPr>
+          </a:p>
+        </p:txBody>
+      </p:sp>
+      <p:sp>
+        <p:nvSpPr>
+          <p:cNvPr id="7" name="Title 1"/>
+          <p:cNvSpPr>
+            <a:spLocks noGrp="1"/>
+          </p:cNvSpPr>
+          <p:nvPr>
+            <p:ph type="title"/>
+          </p:nvPr>
+        </p:nvSpPr>
+        <p:spPr>
+          <a:xfrm>
+            <a:off x="838200" y="365125"/>
+            <a:ext cx="10515600" cy="1325563"/>
+          </a:xfrm>
+        </p:spPr>
+        <p:txBody>
+          <a:bodyPr/>
+          <a:lstStyle/>
+          <a:p>
+            <a:r>
+              <a:rPr lang="en-US" dirty="0" smtClean="0"/>
+              <a:t>What if the alternative was true?</a:t>
+            </a:r>
+            <a:endParaRPr lang="en-US" dirty="0"/>
+          </a:p>
+        </p:txBody>
+      </p:sp>
+      <p:sp>
+        <p:nvSpPr>
+          <p:cNvPr id="8" name="TextBox 7"/>
+          <p:cNvSpPr txBox="1"/>
+          <p:nvPr/>
+        </p:nvSpPr>
+        <p:spPr>
+          <a:xfrm>
+            <a:off x="628651" y="3401129"/>
+            <a:ext cx="1728787" cy="1200329"/>
+          </a:xfrm>
+          <a:prstGeom prst="rect">
+            <a:avLst/>
+          </a:prstGeom>
+          <a:noFill/>
+        </p:spPr>
+        <p:txBody>
+          <a:bodyPr wrap="square" rtlCol="0">
+            <a:spAutoFit/>
+          </a:bodyPr>
+          <a:lstStyle/>
+          <a:p>
+            <a:r>
+              <a:rPr lang="en-US" b="1" dirty="0" smtClean="0"/>
+              <a:t>Equivalent ratios early; one line starts to dominate</a:t>
+            </a:r>
+            <a:endParaRPr lang="en-US" b="1" dirty="0"/>
+          </a:p>
+        </p:txBody>
+      </p:sp>
+    </p:spTree>
+    <p:extLst>
+      <p:ext uri="{BB962C8B-B14F-4D97-AF65-F5344CB8AC3E}">
+        <p14:creationId xmlns:p14="http://schemas.microsoft.com/office/powerpoint/2010/main" val="1415062593"/>
+      </p:ext>
+    </p:extLst>
+  </p:cSld>
+  <p:clrMapOvr>
+    <a:masterClrMapping/>
+  </p:clrMapOvr>
+  <p:timing>
+    <p:tnLst>
+      <p:par>
+        <p:cTn id="1" dur="indefinite" restart="never" nodeType="tmRoot"/>
+      </p:par>
+    </p:tnLst>
+  </p:timing>
+</p:sld>
+</file>
+
+<file path=ppt/slides/slide29.xml><?xml version="1.0" encoding="utf-8"?>
 <p:sld xmlns:a="http://schemas.openxmlformats.org/drawingml/2006/main" xmlns:r="http://schemas.openxmlformats.org/officeDocument/2006/relationships" xmlns:p="http://schemas.openxmlformats.org/presentationml/2006/main">
   <p:cSld>
     <p:spTree>
@@ -5253,7 +6007,7 @@
         </p:blipFill>
         <p:spPr>
           <a:xfrm>
-            <a:off x="0" y="419100"/>
+            <a:off x="0" y="433387"/>
             <a:ext cx="12192000" cy="5997039"/>
           </a:xfrm>
           <a:prstGeom prst="rect">
@@ -5261,6 +6015,78 @@
           </a:prstGeom>
         </p:spPr>
       </p:pic>
+      <p:cxnSp>
+        <p:nvCxnSpPr>
+          <p:cNvPr id="3" name="Straight Arrow Connector 2"/>
+          <p:cNvCxnSpPr/>
+          <p:nvPr/>
+        </p:nvCxnSpPr>
+        <p:spPr>
+          <a:xfrm flipH="1">
+            <a:off x="7486650" y="3929060"/>
+            <a:ext cx="385762" cy="285750"/>
+          </a:xfrm>
+          <a:prstGeom prst="straightConnector1">
+            <a:avLst/>
+          </a:prstGeom>
+          <a:ln w="57150">
+            <a:solidFill>
+              <a:srgbClr val="FF0000"/>
+            </a:solidFill>
+            <a:tailEnd type="triangle"/>
+          </a:ln>
+        </p:spPr>
+        <p:style>
+          <a:lnRef idx="1">
+            <a:schemeClr val="accent1"/>
+          </a:lnRef>
+          <a:fillRef idx="0">
+            <a:schemeClr val="accent1"/>
+          </a:fillRef>
+          <a:effectRef idx="0">
+            <a:schemeClr val="accent1"/>
+          </a:effectRef>
+          <a:fontRef idx="minor">
+            <a:schemeClr val="tx1"/>
+          </a:fontRef>
+        </p:style>
+      </p:cxnSp>
+      <p:cxnSp>
+        <p:nvCxnSpPr>
+          <p:cNvPr id="5" name="Straight Arrow Connector 4"/>
+          <p:cNvCxnSpPr/>
+          <p:nvPr/>
+        </p:nvCxnSpPr>
+        <p:spPr>
+          <a:xfrm>
+            <a:off x="6096000" y="3971924"/>
+            <a:ext cx="328613" cy="285750"/>
+          </a:xfrm>
+          <a:prstGeom prst="straightConnector1">
+            <a:avLst/>
+          </a:prstGeom>
+          <a:ln w="57150">
+            <a:solidFill>
+              <a:srgbClr val="FF0000"/>
+            </a:solidFill>
+            <a:tailEnd type="triangle"/>
+          </a:ln>
+        </p:spPr>
+        <p:style>
+          <a:lnRef idx="1">
+            <a:schemeClr val="accent1"/>
+          </a:lnRef>
+          <a:fillRef idx="0">
+            <a:schemeClr val="accent1"/>
+          </a:fillRef>
+          <a:effectRef idx="0">
+            <a:schemeClr val="accent1"/>
+          </a:effectRef>
+          <a:fontRef idx="minor">
+            <a:schemeClr val="tx1"/>
+          </a:fontRef>
+        </p:style>
+      </p:cxnSp>
     </p:spTree>
     <p:extLst>
       <p:ext uri="{BB962C8B-B14F-4D97-AF65-F5344CB8AC3E}">
@@ -5271,6 +6097,13 @@
   <p:clrMapOvr>
     <a:masterClrMapping/>
   </p:clrMapOvr>
+  <p:timing>
+    <p:tnLst>
+      <p:par>
+        <p:cTn id="1" dur="indefinite" restart="never" nodeType="tmRoot"/>
+      </p:par>
+    </p:tnLst>
+  </p:timing>
 </p:sld>
 </file>
 
@@ -5321,6 +6154,90 @@
           </a:prstGeom>
         </p:spPr>
       </p:pic>
+      <p:sp>
+        <p:nvSpPr>
+          <p:cNvPr id="2" name="Rectangle 1"/>
+          <p:cNvSpPr/>
+          <p:nvPr/>
+        </p:nvSpPr>
+        <p:spPr>
+          <a:xfrm>
+            <a:off x="1371600" y="3343275"/>
+            <a:ext cx="1557338" cy="214313"/>
+          </a:xfrm>
+          <a:prstGeom prst="rect">
+            <a:avLst/>
+          </a:prstGeom>
+          <a:noFill/>
+          <a:ln w="38100"/>
+        </p:spPr>
+        <p:style>
+          <a:lnRef idx="2">
+            <a:schemeClr val="accent1">
+              <a:shade val="50000"/>
+            </a:schemeClr>
+          </a:lnRef>
+          <a:fillRef idx="1">
+            <a:schemeClr val="accent1"/>
+          </a:fillRef>
+          <a:effectRef idx="0">
+            <a:schemeClr val="accent1"/>
+          </a:effectRef>
+          <a:fontRef idx="minor">
+            <a:schemeClr val="lt1"/>
+          </a:fontRef>
+        </p:style>
+        <p:txBody>
+          <a:bodyPr rtlCol="0" anchor="ctr"/>
+          <a:lstStyle/>
+          <a:p>
+            <a:pPr algn="ctr"/>
+            <a:endParaRPr lang="en-US"/>
+          </a:p>
+        </p:txBody>
+      </p:sp>
+      <p:sp>
+        <p:nvSpPr>
+          <p:cNvPr id="5" name="Rectangle 4"/>
+          <p:cNvSpPr/>
+          <p:nvPr/>
+        </p:nvSpPr>
+        <p:spPr>
+          <a:xfrm>
+            <a:off x="3938586" y="3924300"/>
+            <a:ext cx="3090863" cy="219075"/>
+          </a:xfrm>
+          <a:prstGeom prst="rect">
+            <a:avLst/>
+          </a:prstGeom>
+          <a:noFill/>
+          <a:ln w="38100"/>
+        </p:spPr>
+        <p:style>
+          <a:lnRef idx="2">
+            <a:schemeClr val="accent1">
+              <a:shade val="50000"/>
+            </a:schemeClr>
+          </a:lnRef>
+          <a:fillRef idx="1">
+            <a:schemeClr val="accent1"/>
+          </a:fillRef>
+          <a:effectRef idx="0">
+            <a:schemeClr val="accent1"/>
+          </a:effectRef>
+          <a:fontRef idx="minor">
+            <a:schemeClr val="lt1"/>
+          </a:fontRef>
+        </p:style>
+        <p:txBody>
+          <a:bodyPr rtlCol="0" anchor="ctr"/>
+          <a:lstStyle/>
+          <a:p>
+            <a:pPr algn="ctr"/>
+            <a:endParaRPr lang="en-US"/>
+          </a:p>
+        </p:txBody>
+      </p:sp>
     </p:spTree>
     <p:extLst>
       <p:ext uri="{BB962C8B-B14F-4D97-AF65-F5344CB8AC3E}">
@@ -5331,6 +6248,92 @@
   <p:clrMapOvr>
     <a:masterClrMapping/>
   </p:clrMapOvr>
+  <p:timing>
+    <p:tnLst>
+      <p:par>
+        <p:cTn id="1" dur="indefinite" restart="never" nodeType="tmRoot"/>
+      </p:par>
+    </p:tnLst>
+  </p:timing>
+</p:sld>
+</file>
+
+<file path=ppt/slides/slide30.xml><?xml version="1.0" encoding="utf-8"?>
+<p:sld xmlns:a="http://schemas.openxmlformats.org/drawingml/2006/main" xmlns:r="http://schemas.openxmlformats.org/officeDocument/2006/relationships" xmlns:p="http://schemas.openxmlformats.org/presentationml/2006/main">
+  <p:cSld>
+    <p:spTree>
+      <p:nvGrpSpPr>
+        <p:cNvPr id="1" name=""/>
+        <p:cNvGrpSpPr/>
+        <p:nvPr/>
+      </p:nvGrpSpPr>
+      <p:grpSpPr>
+        <a:xfrm>
+          <a:off x="0" y="0"/>
+          <a:ext cx="0" cy="0"/>
+          <a:chOff x="0" y="0"/>
+          <a:chExt cx="0" cy="0"/>
+        </a:xfrm>
+      </p:grpSpPr>
+      <p:sp>
+        <p:nvSpPr>
+          <p:cNvPr id="2" name="Title 1"/>
+          <p:cNvSpPr>
+            <a:spLocks noGrp="1"/>
+          </p:cNvSpPr>
+          <p:nvPr>
+            <p:ph type="title"/>
+          </p:nvPr>
+        </p:nvSpPr>
+        <p:spPr/>
+        <p:txBody>
+          <a:bodyPr/>
+          <a:lstStyle/>
+          <a:p>
+            <a:r>
+              <a:rPr lang="en-US" dirty="0" smtClean="0"/>
+              <a:t>Thanks!!</a:t>
+            </a:r>
+            <a:endParaRPr lang="en-US" dirty="0"/>
+          </a:p>
+        </p:txBody>
+      </p:sp>
+      <p:sp>
+        <p:nvSpPr>
+          <p:cNvPr id="3" name="Content Placeholder 2"/>
+          <p:cNvSpPr>
+            <a:spLocks noGrp="1"/>
+          </p:cNvSpPr>
+          <p:nvPr>
+            <p:ph idx="1"/>
+          </p:nvPr>
+        </p:nvSpPr>
+        <p:spPr/>
+        <p:txBody>
+          <a:bodyPr/>
+          <a:lstStyle/>
+          <a:p>
+            <a:endParaRPr lang="en-US"/>
+          </a:p>
+        </p:txBody>
+      </p:sp>
+    </p:spTree>
+    <p:extLst>
+      <p:ext uri="{BB962C8B-B14F-4D97-AF65-F5344CB8AC3E}">
+        <p14:creationId xmlns:p14="http://schemas.microsoft.com/office/powerpoint/2010/main" val="733028792"/>
+      </p:ext>
+    </p:extLst>
+  </p:cSld>
+  <p:clrMapOvr>
+    <a:masterClrMapping/>
+  </p:clrMapOvr>
+  <p:timing>
+    <p:tnLst>
+      <p:par>
+        <p:cTn id="1" dur="indefinite" restart="never" nodeType="tmRoot"/>
+      </p:par>
+    </p:tnLst>
+  </p:timing>
 </p:sld>
 </file>
 
@@ -5421,6 +6424,13 @@
   <p:clrMapOvr>
     <a:masterClrMapping/>
   </p:clrMapOvr>
+  <p:timing>
+    <p:tnLst>
+      <p:par>
+        <p:cTn id="1" dur="indefinite" restart="never" nodeType="tmRoot"/>
+      </p:par>
+    </p:tnLst>
+  </p:timing>
 </p:sld>
 </file>
 
@@ -5481,6 +6491,13 @@
   <p:clrMapOvr>
     <a:masterClrMapping/>
   </p:clrMapOvr>
+  <p:timing>
+    <p:tnLst>
+      <p:par>
+        <p:cTn id="1" dur="indefinite" restart="never" nodeType="tmRoot"/>
+      </p:par>
+    </p:tnLst>
+  </p:timing>
 </p:sld>
 </file>
 
@@ -5541,6 +6558,13 @@
   <p:clrMapOvr>
     <a:masterClrMapping/>
   </p:clrMapOvr>
+  <p:timing>
+    <p:tnLst>
+      <p:par>
+        <p:cTn id="1" dur="indefinite" restart="never" nodeType="tmRoot"/>
+      </p:par>
+    </p:tnLst>
+  </p:timing>
 </p:sld>
 </file>
 
@@ -5601,6 +6625,13 @@
   <p:clrMapOvr>
     <a:masterClrMapping/>
   </p:clrMapOvr>
+  <p:timing>
+    <p:tnLst>
+      <p:par>
+        <p:cTn id="1" dur="indefinite" restart="never" nodeType="tmRoot"/>
+      </p:par>
+    </p:tnLst>
+  </p:timing>
 </p:sld>
 </file>
 
@@ -5661,6 +6692,13 @@
   <p:clrMapOvr>
     <a:masterClrMapping/>
   </p:clrMapOvr>
+  <p:timing>
+    <p:tnLst>
+      <p:par>
+        <p:cTn id="1" dur="indefinite" restart="never" nodeType="tmRoot"/>
+      </p:par>
+    </p:tnLst>
+  </p:timing>
 </p:sld>
 </file>
 
@@ -5703,54 +6741,77 @@
         </p:blipFill>
         <p:spPr>
           <a:xfrm>
-            <a:off x="684212" y="728662"/>
-            <a:ext cx="5730280" cy="4105275"/>
+            <a:off x="0" y="419100"/>
+            <a:ext cx="12192000" cy="5997039"/>
           </a:xfrm>
           <a:prstGeom prst="rect">
             <a:avLst/>
           </a:prstGeom>
         </p:spPr>
       </p:pic>
-      <p:pic>
-        <p:nvPicPr>
-          <p:cNvPr id="5" name="Picture 4"/>
-          <p:cNvPicPr>
-            <a:picLocks noChangeAspect="1"/>
-          </p:cNvPicPr>
+      <p:sp>
+        <p:nvSpPr>
+          <p:cNvPr id="2" name="Rectangle 1"/>
+          <p:cNvSpPr/>
           <p:nvPr/>
-        </p:nvPicPr>
-        <p:blipFill>
-          <a:blip r:embed="rId3">
-            <a:extLst>
-              <a:ext uri="{28A0092B-C50C-407E-A947-70E740481C1C}">
-                <a14:useLocalDpi xmlns:a14="http://schemas.microsoft.com/office/drawing/2010/main" val="0"/>
-              </a:ext>
-            </a:extLst>
-          </a:blip>
-          <a:stretch>
-            <a:fillRect/>
-          </a:stretch>
-        </p:blipFill>
-        <p:spPr>
-          <a:xfrm>
-            <a:off x="7529513" y="1252537"/>
-            <a:ext cx="3949700" cy="3581400"/>
+        </p:nvSpPr>
+        <p:spPr>
+          <a:xfrm>
+            <a:off x="5915025" y="2957513"/>
+            <a:ext cx="2000250" cy="3157537"/>
           </a:xfrm>
           <a:prstGeom prst="rect">
             <a:avLst/>
           </a:prstGeom>
-        </p:spPr>
-      </p:pic>
+          <a:noFill/>
+          <a:ln w="85725">
+            <a:solidFill>
+              <a:schemeClr val="tx1"/>
+            </a:solidFill>
+          </a:ln>
+        </p:spPr>
+        <p:style>
+          <a:lnRef idx="2">
+            <a:schemeClr val="accent1">
+              <a:shade val="50000"/>
+            </a:schemeClr>
+          </a:lnRef>
+          <a:fillRef idx="1">
+            <a:schemeClr val="accent1"/>
+          </a:fillRef>
+          <a:effectRef idx="0">
+            <a:schemeClr val="accent1"/>
+          </a:effectRef>
+          <a:fontRef idx="minor">
+            <a:schemeClr val="lt1"/>
+          </a:fontRef>
+        </p:style>
+        <p:txBody>
+          <a:bodyPr rtlCol="0" anchor="ctr"/>
+          <a:lstStyle/>
+          <a:p>
+            <a:pPr algn="ctr"/>
+            <a:endParaRPr lang="en-US"/>
+          </a:p>
+        </p:txBody>
+      </p:sp>
     </p:spTree>
     <p:extLst>
       <p:ext uri="{BB962C8B-B14F-4D97-AF65-F5344CB8AC3E}">
-        <p14:creationId xmlns:p14="http://schemas.microsoft.com/office/powerpoint/2010/main" val="321753518"/>
+        <p14:creationId xmlns:p14="http://schemas.microsoft.com/office/powerpoint/2010/main" val="1636372395"/>
       </p:ext>
     </p:extLst>
   </p:cSld>
   <p:clrMapOvr>
     <a:masterClrMapping/>
   </p:clrMapOvr>
+  <p:timing>
+    <p:tnLst>
+      <p:par>
+        <p:cTn id="1" dur="indefinite" restart="never" nodeType="tmRoot"/>
+      </p:par>
+    </p:tnLst>
+  </p:timing>
 </p:sld>
 </file>
 
